--- a/documentation/swisscom/IoT_Reference_Use-Case_Animations.pptx
+++ b/documentation/swisscom/IoT_Reference_Use-Case_Animations.pptx
@@ -9092,15 +9092,7 @@
           <a:p>
             <a:r>
               <a:rPr lang="de-CH" dirty="0"/>
-              <a:t>PSM: </a:t>
-            </a:r>
-            <a:r>
-              <a:rPr lang="de-CH" dirty="0" err="1"/>
-              <a:t>Activetime</a:t>
-            </a:r>
-            <a:r>
-              <a:rPr lang="de-CH" dirty="0"/>
-              <a:t> T3324</a:t>
+              <a:t>PSM: Activetime T3324</a:t>
             </a:r>
           </a:p>
         </p:txBody>
@@ -9253,7 +9245,7 @@
           <a:p>
             <a:r>
               <a:rPr lang="de-CH" dirty="0"/>
-              <a:t>Unit = 0b01 = 2</a:t>
+              <a:t>Unit = 0b01 = 1</a:t>
             </a:r>
           </a:p>
         </p:txBody>
@@ -9363,12 +9355,8 @@
           <a:lstStyle/>
           <a:p>
             <a:r>
-              <a:rPr lang="de-CH" dirty="0" err="1"/>
-              <a:t>Activetime</a:t>
-            </a:r>
-            <a:r>
               <a:rPr lang="de-CH" dirty="0"/>
-              <a:t> = 7 *2sec = 14 sec</a:t>
+              <a:t>Activetime = 7 *1 min = 7 min</a:t>
             </a:r>
           </a:p>
         </p:txBody>
@@ -9415,6 +9403,58 @@
           </a:fontRef>
         </p:style>
       </p:cxnSp>
+      <p:sp>
+        <p:nvSpPr>
+          <p:cNvPr id="16" name="Rectangle: Rounded Corners 15">
+            <a:extLst>
+              <a:ext uri="{FF2B5EF4-FFF2-40B4-BE49-F238E27FC236}">
+                <a16:creationId xmlns:a16="http://schemas.microsoft.com/office/drawing/2014/main" id="{0326BC0A-B37F-4348-A3B5-F272E96B03E4}"/>
+              </a:ext>
+            </a:extLst>
+          </p:cNvPr>
+          <p:cNvSpPr/>
+          <p:nvPr/>
+        </p:nvSpPr>
+        <p:spPr>
+          <a:xfrm>
+            <a:off x="1593805" y="4526042"/>
+            <a:ext cx="4403770" cy="88848"/>
+          </a:xfrm>
+          <a:prstGeom prst="roundRect">
+            <a:avLst/>
+          </a:prstGeom>
+          <a:noFill/>
+          <a:ln>
+            <a:solidFill>
+              <a:srgbClr val="FF0000"/>
+            </a:solidFill>
+          </a:ln>
+        </p:spPr>
+        <p:style>
+          <a:lnRef idx="2">
+            <a:schemeClr val="accent1">
+              <a:shade val="50000"/>
+            </a:schemeClr>
+          </a:lnRef>
+          <a:fillRef idx="1">
+            <a:schemeClr val="accent1"/>
+          </a:fillRef>
+          <a:effectRef idx="0">
+            <a:schemeClr val="accent1"/>
+          </a:effectRef>
+          <a:fontRef idx="minor">
+            <a:schemeClr val="lt1"/>
+          </a:fontRef>
+        </p:style>
+        <p:txBody>
+          <a:bodyPr rtlCol="0" anchor="ctr"/>
+          <a:lstStyle/>
+          <a:p>
+            <a:pPr algn="ctr"/>
+            <a:endParaRPr lang="de-CH"/>
+          </a:p>
+        </p:txBody>
+      </p:sp>
     </p:spTree>
     <p:extLst>
       <p:ext uri="{BB962C8B-B14F-4D97-AF65-F5344CB8AC3E}">
